--- a/docs/presentations/15-GuteRise.pptx
+++ b/docs/presentations/15-GuteRise.pptx
@@ -218,7 +218,7 @@
           <a:p>
             <a:fld id="{9197E104-22AF-7344-93DF-EE23AD2FF7C9}" type="datetimeFigureOut">
               <a:rPr lang="en-US" smtClean="0"/>
-              <a:t>7/19/2017</a:t>
+              <a:t>07/20/2017</a:t>
             </a:fld>
             <a:endParaRPr lang="en-US" dirty="0"/>
           </a:p>
@@ -383,7 +383,7 @@
           <a:p>
             <a:fld id="{EB3E700C-39B5-4BEE-AE3D-F2FF3A17B434}" type="datetimeFigureOut">
               <a:rPr lang="en-US" smtClean="0"/>
-              <a:t>7/19/2017</a:t>
+              <a:t>07/20/2017</a:t>
             </a:fld>
             <a:endParaRPr lang="en-US" dirty="0"/>
           </a:p>
@@ -2625,7 +2625,7 @@
                 <a:avLst/>
               </a:prstGeom>
               <a:solidFill>
-                <a:srgbClr val="FFEB3B"/>
+                <a:srgbClr val="00BCD4"/>
               </a:solidFill>
               <a:ln>
                 <a:noFill/>
@@ -4012,7 +4012,7 @@
         <p:spPr>
           <a:xfrm>
             <a:off x="5839211" y="4423783"/>
-            <a:ext cx="2427268" cy="523220"/>
+            <a:ext cx="2236510" cy="523220"/>
           </a:xfrm>
           <a:prstGeom prst="rect">
             <a:avLst/>
@@ -4032,7 +4032,7 @@
                 </a:solidFill>
                 <a:latin typeface="+mj-lt"/>
               </a:rPr>
-              <a:t>Shearing Files</a:t>
+              <a:t>Sharing Files</a:t>
             </a:r>
           </a:p>
         </p:txBody>
@@ -4471,7 +4471,7 @@
         <p:spPr>
           <a:xfrm>
             <a:off x="5839211" y="4423783"/>
-            <a:ext cx="2427268" cy="523220"/>
+            <a:ext cx="2236510" cy="523220"/>
           </a:xfrm>
           <a:prstGeom prst="rect">
             <a:avLst/>
@@ -4491,7 +4491,7 @@
                 </a:solidFill>
                 <a:latin typeface="+mj-lt"/>
               </a:rPr>
-              <a:t>Shearing Files</a:t>
+              <a:t>Sharing Files</a:t>
             </a:r>
           </a:p>
         </p:txBody>
